--- a/project/Company Industry Classification.pptx
+++ b/project/Company Industry Classification.pptx
@@ -107,6 +107,11 @@
       </a:defRPr>
     </a:lvl9pPr>
   </p:defaultTextStyle>
+  <p:extLst>
+    <p:ext uri="{EFAFB233-063F-42B5-8137-9DF3F51BA10A}">
+      <p15:sldGuideLst xmlns:p15="http://schemas.microsoft.com/office/powerpoint/2012/main"/>
+    </p:ext>
+  </p:extLst>
 </p:presentation>
 </file>
 
@@ -3995,7 +4000,19 @@
           <a:p>
             <a:r>
               <a:rPr lang="en-US" dirty="0" smtClean="0"/>
-              <a:t>- Industry classifications will be taken from Google Finance via a web-scraping</a:t>
+              <a:t>- Industry classifications will be taken from Google </a:t>
+            </a:r>
+            <a:r>
+              <a:rPr lang="en-US" smtClean="0"/>
+              <a:t>Finance </a:t>
+            </a:r>
+            <a:r>
+              <a:rPr lang="en-US" smtClean="0"/>
+              <a:t>via </a:t>
+            </a:r>
+            <a:r>
+              <a:rPr lang="en-US" dirty="0" smtClean="0"/>
+              <a:t>web-scraping</a:t>
             </a:r>
           </a:p>
           <a:p>
